--- a/Diploma.pptx
+++ b/Diploma.pptx
@@ -16,6 +16,7 @@
     <p:sldId id="261" r:id="rId13"/>
     <p:sldId id="262" r:id="rId14"/>
     <p:sldId id="263" r:id="rId15"/>
+    <p:sldId id="264" r:id="rId16"/>
   </p:sldIdLst>
   <p:sldSz cx="24384000" cy="13716000"/>
   <p:notesSz cx="6858000" cy="9144000"/>
@@ -520,7 +521,7 @@
           <p:cNvPr id="11" name="Author and Date"/>
           <p:cNvSpPr txBox="1"/>
           <p:nvPr>
-            <p:ph type="body" sz="quarter" idx="21" hasCustomPrompt="1"/>
+            <p:ph type="body" sz="quarter" idx="13" hasCustomPrompt="1"/>
           </p:nvPr>
         </p:nvSpPr>
         <p:spPr>
@@ -963,7 +964,7 @@
           <p:cNvPr id="106" name="Fact information"/>
           <p:cNvSpPr txBox="1"/>
           <p:nvPr>
-            <p:ph type="body" sz="quarter" idx="21" hasCustomPrompt="1"/>
+            <p:ph type="body" sz="quarter" idx="13" hasCustomPrompt="1"/>
           </p:nvPr>
         </p:nvSpPr>
         <p:spPr>
@@ -1189,7 +1190,7 @@
           <p:cNvPr id="115" name="Attribution"/>
           <p:cNvSpPr txBox="1"/>
           <p:nvPr>
-            <p:ph type="body" sz="quarter" idx="21" hasCustomPrompt="1"/>
+            <p:ph type="body" sz="quarter" idx="13" hasCustomPrompt="1"/>
           </p:nvPr>
         </p:nvSpPr>
         <p:spPr>
@@ -1419,7 +1420,7 @@
           <p:cNvPr id="124" name="941297804_1296x1457.jpg"/>
           <p:cNvSpPr/>
           <p:nvPr>
-            <p:ph type="pic" sz="quarter" idx="21"/>
+            <p:ph type="pic" sz="quarter" idx="13"/>
           </p:nvPr>
         </p:nvSpPr>
         <p:spPr>
@@ -1446,7 +1447,7 @@
           <p:cNvPr id="125" name="915009552_2264x1509.jpg"/>
           <p:cNvSpPr/>
           <p:nvPr>
-            <p:ph type="pic" sz="quarter" idx="22"/>
+            <p:ph type="pic" sz="quarter" idx="14"/>
           </p:nvPr>
         </p:nvSpPr>
         <p:spPr>
@@ -1473,7 +1474,7 @@
           <p:cNvPr id="126" name="740519873_3318x2212.jpg"/>
           <p:cNvSpPr/>
           <p:nvPr>
-            <p:ph type="pic" idx="23"/>
+            <p:ph type="pic" idx="15"/>
           </p:nvPr>
         </p:nvSpPr>
         <p:spPr>
@@ -1552,7 +1553,7 @@
           <p:cNvPr id="134" name="740519873_3318x2212.jpg"/>
           <p:cNvSpPr/>
           <p:nvPr>
-            <p:ph type="pic" idx="21"/>
+            <p:ph type="pic" idx="13"/>
           </p:nvPr>
         </p:nvSpPr>
         <p:spPr>
@@ -1683,7 +1684,7 @@
           <p:cNvPr id="21" name="740519873_3318x2212.jpg"/>
           <p:cNvSpPr/>
           <p:nvPr>
-            <p:ph type="pic" idx="21"/>
+            <p:ph type="pic" idx="13"/>
           </p:nvPr>
         </p:nvSpPr>
         <p:spPr>
@@ -1894,7 +1895,7 @@
           <p:cNvPr id="24" name="Author and Date"/>
           <p:cNvSpPr txBox="1"/>
           <p:nvPr>
-            <p:ph type="body" sz="quarter" idx="22" hasCustomPrompt="1"/>
+            <p:ph type="body" sz="quarter" idx="14" hasCustomPrompt="1"/>
           </p:nvPr>
         </p:nvSpPr>
         <p:spPr>
@@ -2026,7 +2027,7 @@
           <p:cNvPr id="33" name="Image"/>
           <p:cNvSpPr/>
           <p:nvPr>
-            <p:ph type="pic" idx="21"/>
+            <p:ph type="pic" idx="13"/>
           </p:nvPr>
         </p:nvSpPr>
         <p:spPr>
@@ -2306,7 +2307,7 @@
           <p:cNvPr id="44" name="Slide Subtitle"/>
           <p:cNvSpPr txBox="1"/>
           <p:nvPr>
-            <p:ph type="body" sz="quarter" idx="21" hasCustomPrompt="1"/>
+            <p:ph type="body" sz="quarter" idx="13" hasCustomPrompt="1"/>
           </p:nvPr>
         </p:nvSpPr>
         <p:spPr>
@@ -2531,7 +2532,7 @@
           <p:cNvPr id="61" name="Image"/>
           <p:cNvSpPr/>
           <p:nvPr>
-            <p:ph type="pic" idx="21"/>
+            <p:ph type="pic" idx="13"/>
           </p:nvPr>
         </p:nvSpPr>
         <p:spPr>
@@ -2558,7 +2559,7 @@
           <p:cNvPr id="62" name="Slide Subtitle"/>
           <p:cNvSpPr txBox="1"/>
           <p:nvPr>
-            <p:ph type="body" sz="quarter" idx="22" hasCustomPrompt="1"/>
+            <p:ph type="body" sz="quarter" idx="14" hasCustomPrompt="1"/>
           </p:nvPr>
         </p:nvSpPr>
         <p:spPr>
@@ -2815,7 +2816,7 @@
           <p:cNvPr id="80" name="Slide Subtitle"/>
           <p:cNvSpPr txBox="1"/>
           <p:nvPr>
-            <p:ph type="body" sz="quarter" idx="21" hasCustomPrompt="1"/>
+            <p:ph type="body" sz="quarter" idx="13" hasCustomPrompt="1"/>
           </p:nvPr>
         </p:nvSpPr>
         <p:spPr>
@@ -3054,7 +3055,7 @@
           <p:cNvPr id="90" name="Agenda Subtitle"/>
           <p:cNvSpPr txBox="1"/>
           <p:nvPr>
-            <p:ph type="body" sz="quarter" idx="21" hasCustomPrompt="1"/>
+            <p:ph type="body" sz="quarter" idx="13" hasCustomPrompt="1"/>
           </p:nvPr>
         </p:nvSpPr>
         <p:spPr>
@@ -4055,7 +4056,7 @@
           <p:cNvPr id="151" name="Kim Kozlov"/>
           <p:cNvSpPr txBox="1"/>
           <p:nvPr>
-            <p:ph type="body" idx="21"/>
+            <p:ph type="body" idx="13"/>
           </p:nvPr>
         </p:nvSpPr>
         <p:spPr>
@@ -4089,8 +4090,8 @@
         </p:nvSpPr>
         <p:spPr>
           <a:xfrm>
-            <a:off x="1219199" y="1907320"/>
-            <a:ext cx="21945601" cy="4267201"/>
+            <a:off x="1219200" y="1907320"/>
+            <a:ext cx="21945600" cy="4267201"/>
           </a:xfrm>
           <a:prstGeom prst="rect">
             <a:avLst/>
@@ -4117,8 +4118,8 @@
         </p:nvSpPr>
         <p:spPr>
           <a:xfrm>
-            <a:off x="1219199" y="5936120"/>
-            <a:ext cx="21945601" cy="2250593"/>
+            <a:off x="1219200" y="5936120"/>
+            <a:ext cx="21945600" cy="2250593"/>
           </a:xfrm>
           <a:prstGeom prst="rect">
             <a:avLst/>
@@ -4327,7 +4328,7 @@
           <p:cNvPr id="157" name="Asp.Net, React, Postgres"/>
           <p:cNvSpPr txBox="1"/>
           <p:nvPr>
-            <p:ph type="body" idx="21"/>
+            <p:ph type="body" idx="13"/>
           </p:nvPr>
         </p:nvSpPr>
         <p:spPr>
@@ -4410,7 +4411,7 @@
           <p:cNvPr id="160" name="Microservices"/>
           <p:cNvSpPr txBox="1"/>
           <p:nvPr>
-            <p:ph type="body" idx="21"/>
+            <p:ph type="body" idx="13"/>
           </p:nvPr>
         </p:nvSpPr>
         <p:spPr>
@@ -4827,7 +4828,7 @@
         </p:nvSpPr>
         <p:spPr>
           <a:xfrm>
-            <a:off x="10967594" y="11369501"/>
+            <a:off x="10967594" y="11369502"/>
             <a:ext cx="2465223" cy="782829"/>
           </a:xfrm>
           <a:prstGeom prst="rect">
@@ -4871,8 +4872,8 @@
         </p:nvSpPr>
         <p:spPr>
           <a:xfrm>
-            <a:off x="20210109" y="7841690"/>
-            <a:ext cx="1695044" cy="1160006"/>
+            <a:off x="20192614" y="7841690"/>
+            <a:ext cx="1730034" cy="1160006"/>
           </a:xfrm>
           <a:prstGeom prst="rect">
             <a:avLst/>
@@ -4966,7 +4967,7 @@
         <p:spPr>
           <a:xfrm flipV="1">
             <a:off x="4562743" y="4805962"/>
-            <a:ext cx="3624348" cy="3110993"/>
+            <a:ext cx="3624349" cy="3110994"/>
           </a:xfrm>
           <a:prstGeom prst="line">
             <a:avLst/>
@@ -5025,8 +5026,8 @@
         </p:nvSpPr>
         <p:spPr>
           <a:xfrm>
-            <a:off x="4562270" y="8260491"/>
-            <a:ext cx="3818327" cy="1"/>
+            <a:off x="4562269" y="8260491"/>
+            <a:ext cx="3818328" cy="1"/>
           </a:xfrm>
           <a:prstGeom prst="line">
             <a:avLst/>
@@ -5055,8 +5056,8 @@
         </p:nvSpPr>
         <p:spPr>
           <a:xfrm>
-            <a:off x="16023959" y="4562151"/>
-            <a:ext cx="3460331" cy="2892313"/>
+            <a:off x="16023959" y="4562150"/>
+            <a:ext cx="3460331" cy="2892315"/>
           </a:xfrm>
           <a:prstGeom prst="line">
             <a:avLst/>
@@ -5085,8 +5086,8 @@
         </p:nvSpPr>
         <p:spPr>
           <a:xfrm flipV="1">
-            <a:off x="16022752" y="8621629"/>
-            <a:ext cx="3463581" cy="3463581"/>
+            <a:off x="16022753" y="8621629"/>
+            <a:ext cx="3463580" cy="3463581"/>
           </a:xfrm>
           <a:prstGeom prst="line">
             <a:avLst/>
@@ -5174,7 +5175,7 @@
         <p:spPr>
           <a:xfrm>
             <a:off x="1219200" y="7505"/>
-            <a:ext cx="21945601" cy="1727201"/>
+            <a:ext cx="21945600" cy="1727201"/>
           </a:xfrm>
           <a:prstGeom prst="rect">
             <a:avLst/>
@@ -5210,7 +5211,7 @@
         <p:spPr>
           <a:xfrm>
             <a:off x="1688888" y="1986050"/>
-            <a:ext cx="20754169" cy="11654408"/>
+            <a:ext cx="20754170" cy="11654408"/>
           </a:xfrm>
           <a:prstGeom prst="rect">
             <a:avLst/>
@@ -5354,7 +5355,7 @@
           <p:cNvPr id="185" name="using database"/>
           <p:cNvSpPr txBox="1"/>
           <p:nvPr>
-            <p:ph type="body" idx="21"/>
+            <p:ph type="body" idx="13"/>
           </p:nvPr>
         </p:nvSpPr>
         <p:spPr>
@@ -5462,7 +5463,7 @@
           <p:cNvPr id="189" name="auth and role checking"/>
           <p:cNvSpPr txBox="1"/>
           <p:nvPr>
-            <p:ph type="body" idx="21"/>
+            <p:ph type="body" idx="13"/>
           </p:nvPr>
         </p:nvSpPr>
         <p:spPr>
@@ -5504,8 +5505,8 @@
         </p:blipFill>
         <p:spPr>
           <a:xfrm>
-            <a:off x="3745316" y="3405199"/>
-            <a:ext cx="17519376" cy="9691899"/>
+            <a:off x="3745315" y="3405199"/>
+            <a:ext cx="17519377" cy="9691899"/>
           </a:xfrm>
           <a:prstGeom prst="rect">
             <a:avLst/>
@@ -5585,6 +5586,114 @@
           <a:xfrm>
             <a:off x="4927167" y="2270609"/>
             <a:ext cx="14300201" cy="11315701"/>
+          </a:xfrm>
+          <a:prstGeom prst="rect">
+            <a:avLst/>
+          </a:prstGeom>
+          <a:ln w="12700">
+            <a:miter lim="400000"/>
+          </a:ln>
+        </p:spPr>
+      </p:pic>
+    </p:spTree>
+  </p:cSld>
+  <p:clrMapOvr>
+    <a:masterClrMapping/>
+  </p:clrMapOvr>
+  <p:transition xmlns:p14="http://schemas.microsoft.com/office/powerpoint/2010/main" spd="med" advClick="1"/>
+</p:sld>
+</file>
+
+<file path=ppt/slides/slide9.xml><?xml version="1.0" encoding="utf-8"?>
+<p:sld xmlns:a="http://schemas.openxmlformats.org/drawingml/2006/main" xmlns:r="http://schemas.openxmlformats.org/officeDocument/2006/relationships" xmlns:p="http://schemas.openxmlformats.org/presentationml/2006/main" xmlns:m="http://schemas.openxmlformats.org/officeDocument/2006/math" xmlns:a14="http://schemas.microsoft.com/office/drawing/2010/main" showMasterSp="1" showMasterPhAnim="1">
+  <p:cSld>
+    <p:spTree>
+      <p:nvGrpSpPr>
+        <p:cNvPr id="1" name=""/>
+        <p:cNvGrpSpPr/>
+        <p:nvPr/>
+      </p:nvGrpSpPr>
+      <p:grpSpPr>
+        <a:xfrm>
+          <a:off x="0" y="0"/>
+          <a:ext cx="0" cy="0"/>
+          <a:chOff x="0" y="0"/>
+          <a:chExt cx="0" cy="0"/>
+        </a:xfrm>
+      </p:grpSpPr>
+      <p:sp>
+        <p:nvSpPr>
+          <p:cNvPr id="195" name="The most strange bug"/>
+          <p:cNvSpPr txBox="1"/>
+          <p:nvPr>
+            <p:ph type="title"/>
+          </p:nvPr>
+        </p:nvSpPr>
+        <p:spPr>
+          <a:prstGeom prst="rect">
+            <a:avLst/>
+          </a:prstGeom>
+        </p:spPr>
+        <p:txBody>
+          <a:bodyPr/>
+          <a:lstStyle/>
+          <a:p>
+            <a:pPr/>
+            <a:r>
+              <a:t>The most strange bug</a:t>
+            </a:r>
+          </a:p>
+        </p:txBody>
+      </p:sp>
+      <p:sp>
+        <p:nvSpPr>
+          <p:cNvPr id="196" name="PostgresSQL error: More than one owned sequence found!"/>
+          <p:cNvSpPr txBox="1"/>
+          <p:nvPr>
+            <p:ph type="body" idx="13"/>
+          </p:nvPr>
+        </p:nvSpPr>
+        <p:spPr>
+          <a:prstGeom prst="rect">
+            <a:avLst/>
+          </a:prstGeom>
+          <a:extLst>
+            <a:ext uri="{C572A759-6A51-4108-AA02-DFA0A04FC94B}">
+              <ma14:wrappingTextBoxFlag xmlns:ma14="http://schemas.microsoft.com/office/mac/drawingml/2011/main" val="1"/>
+            </a:ext>
+          </a:extLst>
+        </p:spPr>
+        <p:txBody>
+          <a:bodyPr/>
+          <a:lstStyle/>
+          <a:p>
+            <a:pPr/>
+            <a:r>
+              <a:t>PostgresSQL error: More than one owned sequence found!</a:t>
+            </a:r>
+          </a:p>
+        </p:txBody>
+      </p:sp>
+      <p:pic>
+        <p:nvPicPr>
+          <p:cNvPr id="197" name="Screen Shot 2021-07-04 at 13.42.29.png" descr="Screen Shot 2021-07-04 at 13.42.29.png"/>
+          <p:cNvPicPr>
+            <a:picLocks noChangeAspect="1"/>
+          </p:cNvPicPr>
+          <p:nvPr/>
+        </p:nvPicPr>
+        <p:blipFill>
+          <a:blip r:embed="rId2">
+            <a:extLst/>
+          </a:blip>
+          <a:stretch>
+            <a:fillRect/>
+          </a:stretch>
+        </p:blipFill>
+        <p:spPr>
+          <a:xfrm>
+            <a:off x="4176944" y="3685498"/>
+            <a:ext cx="16535401" cy="9131301"/>
           </a:xfrm>
           <a:prstGeom prst="rect">
             <a:avLst/>
